--- a/CSCE658-S24/L15.pptx
+++ b/CSCE658-S24/L15.pptx
@@ -180,15 +180,15 @@
           <pc:sldMk cId="3728375759" sldId="258"/>
         </pc:sldMkLst>
       </pc:sldChg>
+      <pc:sldChg chg="add">
+        <pc:chgData name="Samson Zhou" userId="be955f33642ecbf5" providerId="LiveId" clId="{4144E112-1059-43CD-BBE4-C055A3A3A10A}" dt="2024-02-26T21:12:26.568" v="1638"/>
+        <pc:sldMkLst>
+          <pc:docMk/>
+          <pc:sldMk cId="4016226433" sldId="291"/>
+        </pc:sldMkLst>
+      </pc:sldChg>
       <pc:sldChg chg="del">
         <pc:chgData name="Samson Zhou" userId="be955f33642ecbf5" providerId="LiveId" clId="{4144E112-1059-43CD-BBE4-C055A3A3A10A}" dt="2024-02-26T21:12:20.034" v="1637" actId="2696"/>
-        <pc:sldMkLst>
-          <pc:docMk/>
-          <pc:sldMk cId="0" sldId="291"/>
-        </pc:sldMkLst>
-      </pc:sldChg>
-      <pc:sldChg chg="add">
-        <pc:chgData name="Samson Zhou" userId="be955f33642ecbf5" providerId="LiveId" clId="{4144E112-1059-43CD-BBE4-C055A3A3A10A}" dt="2024-02-26T21:12:26.568" v="1638"/>
         <pc:sldMkLst>
           <pc:docMk/>
           <pc:sldMk cId="4016226433" sldId="291"/>
@@ -1092,7 +1092,7 @@
           <a:p>
             <a:fld id="{C2A31D91-0258-44B2-AC0E-011C9C4CC39D}" type="datetimeFigureOut">
               <a:rPr lang="en-US" smtClean="0"/>
-              <a:t>2/26/2024</a:t>
+              <a:t>2/29/2024</a:t>
             </a:fld>
             <a:endParaRPr lang="en-US"/>
           </a:p>
@@ -2354,7 +2354,7 @@
           <a:p>
             <a:fld id="{6956DCC5-06B7-4615-A9B9-4F659565ADEC}" type="datetimeFigureOut">
               <a:rPr lang="en-US" smtClean="0"/>
-              <a:t>2/26/2024</a:t>
+              <a:t>2/29/2024</a:t>
             </a:fld>
             <a:endParaRPr lang="en-US"/>
           </a:p>
@@ -2552,7 +2552,7 @@
           <a:p>
             <a:fld id="{6956DCC5-06B7-4615-A9B9-4F659565ADEC}" type="datetimeFigureOut">
               <a:rPr lang="en-US" smtClean="0"/>
-              <a:t>2/26/2024</a:t>
+              <a:t>2/29/2024</a:t>
             </a:fld>
             <a:endParaRPr lang="en-US"/>
           </a:p>
@@ -2760,7 +2760,7 @@
           <a:p>
             <a:fld id="{6956DCC5-06B7-4615-A9B9-4F659565ADEC}" type="datetimeFigureOut">
               <a:rPr lang="en-US" smtClean="0"/>
-              <a:t>2/26/2024</a:t>
+              <a:t>2/29/2024</a:t>
             </a:fld>
             <a:endParaRPr lang="en-US"/>
           </a:p>
@@ -3317,7 +3317,7 @@
           <a:p>
             <a:fld id="{6956DCC5-06B7-4615-A9B9-4F659565ADEC}" type="datetimeFigureOut">
               <a:rPr lang="en-US" smtClean="0"/>
-              <a:t>2/26/2024</a:t>
+              <a:t>2/29/2024</a:t>
             </a:fld>
             <a:endParaRPr lang="en-US"/>
           </a:p>
@@ -3592,7 +3592,7 @@
           <a:p>
             <a:fld id="{6956DCC5-06B7-4615-A9B9-4F659565ADEC}" type="datetimeFigureOut">
               <a:rPr lang="en-US" smtClean="0"/>
-              <a:t>2/26/2024</a:t>
+              <a:t>2/29/2024</a:t>
             </a:fld>
             <a:endParaRPr lang="en-US"/>
           </a:p>
@@ -3857,7 +3857,7 @@
           <a:p>
             <a:fld id="{6956DCC5-06B7-4615-A9B9-4F659565ADEC}" type="datetimeFigureOut">
               <a:rPr lang="en-US" smtClean="0"/>
-              <a:t>2/26/2024</a:t>
+              <a:t>2/29/2024</a:t>
             </a:fld>
             <a:endParaRPr lang="en-US"/>
           </a:p>
@@ -4269,7 +4269,7 @@
           <a:p>
             <a:fld id="{6956DCC5-06B7-4615-A9B9-4F659565ADEC}" type="datetimeFigureOut">
               <a:rPr lang="en-US" smtClean="0"/>
-              <a:t>2/26/2024</a:t>
+              <a:t>2/29/2024</a:t>
             </a:fld>
             <a:endParaRPr lang="en-US"/>
           </a:p>
@@ -4410,7 +4410,7 @@
           <a:p>
             <a:fld id="{6956DCC5-06B7-4615-A9B9-4F659565ADEC}" type="datetimeFigureOut">
               <a:rPr lang="en-US" smtClean="0"/>
-              <a:t>2/26/2024</a:t>
+              <a:t>2/29/2024</a:t>
             </a:fld>
             <a:endParaRPr lang="en-US"/>
           </a:p>
@@ -4523,7 +4523,7 @@
           <a:p>
             <a:fld id="{6956DCC5-06B7-4615-A9B9-4F659565ADEC}" type="datetimeFigureOut">
               <a:rPr lang="en-US" smtClean="0"/>
-              <a:t>2/26/2024</a:t>
+              <a:t>2/29/2024</a:t>
             </a:fld>
             <a:endParaRPr lang="en-US"/>
           </a:p>
@@ -4834,7 +4834,7 @@
           <a:p>
             <a:fld id="{6956DCC5-06B7-4615-A9B9-4F659565ADEC}" type="datetimeFigureOut">
               <a:rPr lang="en-US" smtClean="0"/>
-              <a:t>2/26/2024</a:t>
+              <a:t>2/29/2024</a:t>
             </a:fld>
             <a:endParaRPr lang="en-US"/>
           </a:p>
@@ -5122,7 +5122,7 @@
           <a:p>
             <a:fld id="{6956DCC5-06B7-4615-A9B9-4F659565ADEC}" type="datetimeFigureOut">
               <a:rPr lang="en-US" smtClean="0"/>
-              <a:t>2/26/2024</a:t>
+              <a:t>2/29/2024</a:t>
             </a:fld>
             <a:endParaRPr lang="en-US"/>
           </a:p>
@@ -5363,7 +5363,7 @@
           <a:p>
             <a:fld id="{6956DCC5-06B7-4615-A9B9-4F659565ADEC}" type="datetimeFigureOut">
               <a:rPr lang="en-US" smtClean="0"/>
-              <a:t>2/26/2024</a:t>
+              <a:t>2/29/2024</a:t>
             </a:fld>
             <a:endParaRPr lang="en-US"/>
           </a:p>
@@ -5932,8 +5932,8 @@
           </a:p>
         </p:txBody>
       </p:sp>
-      <mc:AlternateContent xmlns:mc="http://schemas.openxmlformats.org/markup-compatibility/2006">
-        <mc:Choice xmlns:a14="http://schemas.microsoft.com/office/drawing/2010/main" Requires="a14">
+      <mc:AlternateContent xmlns:mc="http://schemas.openxmlformats.org/markup-compatibility/2006" xmlns:a14="http://schemas.microsoft.com/office/drawing/2010/main">
+        <mc:Choice Requires="a14">
           <p:sp>
             <p:nvSpPr>
               <p:cNvPr id="3" name="Content Placeholder 2">
@@ -6278,7 +6278,7 @@
             </p:txBody>
           </p:sp>
         </mc:Choice>
-        <mc:Fallback>
+        <mc:Fallback xmlns="">
           <p:sp>
             <p:nvSpPr>
               <p:cNvPr id="3" name="Content Placeholder 2">
@@ -6386,8 +6386,8 @@
           </a:p>
         </p:txBody>
       </p:sp>
-      <mc:AlternateContent xmlns:mc="http://schemas.openxmlformats.org/markup-compatibility/2006">
-        <mc:Choice xmlns:a14="http://schemas.microsoft.com/office/drawing/2010/main" Requires="a14">
+      <mc:AlternateContent xmlns:mc="http://schemas.openxmlformats.org/markup-compatibility/2006" xmlns:a14="http://schemas.microsoft.com/office/drawing/2010/main">
+        <mc:Choice Requires="a14">
           <p:sp>
             <p:nvSpPr>
               <p:cNvPr id="3" name="Content Placeholder 2">
@@ -6740,7 +6740,7 @@
             </p:txBody>
           </p:sp>
         </mc:Choice>
-        <mc:Fallback>
+        <mc:Fallback xmlns="">
           <p:sp>
             <p:nvSpPr>
               <p:cNvPr id="3" name="Content Placeholder 2">
@@ -6848,8 +6848,8 @@
           </a:p>
         </p:txBody>
       </p:sp>
-      <mc:AlternateContent xmlns:mc="http://schemas.openxmlformats.org/markup-compatibility/2006">
-        <mc:Choice xmlns:a14="http://schemas.microsoft.com/office/drawing/2010/main" Requires="a14">
+      <mc:AlternateContent xmlns:mc="http://schemas.openxmlformats.org/markup-compatibility/2006" xmlns:a14="http://schemas.microsoft.com/office/drawing/2010/main">
+        <mc:Choice Requires="a14">
           <p:sp>
             <p:nvSpPr>
               <p:cNvPr id="3" name="Content Placeholder 2">
@@ -6992,19 +6992,7 @@
                                     </a:solidFill>
                                     <a:latin typeface="Cambria Math" panose="02040503050406030204" pitchFamily="18" charset="0"/>
                                   </a:rPr>
-                                  <m:t>l</m:t>
-                                </m:r>
-                                <m:r>
-                                  <m:rPr>
-                                    <m:sty m:val="p"/>
-                                  </m:rPr>
-                                  <a:rPr lang="en-US" sz="3200">
-                                    <a:solidFill>
-                                      <a:srgbClr val="C00000"/>
-                                    </a:solidFill>
-                                    <a:latin typeface="Cambria Math" panose="02040503050406030204" pitchFamily="18" charset="0"/>
-                                  </a:rPr>
-                                  <m:t>og</m:t>
+                                  <m:t>log</m:t>
                                 </m:r>
                               </m:e>
                               <m:sub>
@@ -7086,19 +7074,7 @@
                                 </a:solidFill>
                                 <a:latin typeface="Cambria Math" panose="02040503050406030204" pitchFamily="18" charset="0"/>
                               </a:rPr>
-                              <m:t>l</m:t>
-                            </m:r>
-                            <m:r>
-                              <m:rPr>
-                                <m:sty m:val="p"/>
-                              </m:rPr>
-                              <a:rPr lang="en-US" sz="3200">
-                                <a:solidFill>
-                                  <a:srgbClr val="C00000"/>
-                                </a:solidFill>
-                                <a:latin typeface="Cambria Math" panose="02040503050406030204" pitchFamily="18" charset="0"/>
-                              </a:rPr>
-                              <m:t>og</m:t>
+                              <m:t>log</m:t>
                             </m:r>
                           </m:e>
                           <m:sub>
@@ -7404,7 +7380,7 @@
             </p:txBody>
           </p:sp>
         </mc:Choice>
-        <mc:Fallback>
+        <mc:Fallback xmlns="">
           <p:sp>
             <p:nvSpPr>
               <p:cNvPr id="3" name="Content Placeholder 2">
@@ -11757,8 +11733,8 @@
           </a:p>
         </p:txBody>
       </p:sp>
-      <mc:AlternateContent xmlns:mc="http://schemas.openxmlformats.org/markup-compatibility/2006">
-        <mc:Choice xmlns:a14="http://schemas.microsoft.com/office/drawing/2010/main" Requires="a14">
+      <mc:AlternateContent xmlns:mc="http://schemas.openxmlformats.org/markup-compatibility/2006" xmlns:a14="http://schemas.microsoft.com/office/drawing/2010/main">
+        <mc:Choice Requires="a14">
           <p:sp>
             <p:nvSpPr>
               <p:cNvPr id="3" name="Content Placeholder 2">
@@ -11870,7 +11846,7 @@
             </p:txBody>
           </p:sp>
         </mc:Choice>
-        <mc:Fallback>
+        <mc:Fallback xmlns="">
           <p:sp>
             <p:nvSpPr>
               <p:cNvPr id="3" name="Content Placeholder 2">
@@ -11978,8 +11954,8 @@
           </a:p>
         </p:txBody>
       </p:sp>
-      <mc:AlternateContent xmlns:mc="http://schemas.openxmlformats.org/markup-compatibility/2006">
-        <mc:Choice xmlns:a14="http://schemas.microsoft.com/office/drawing/2010/main" Requires="a14">
+      <mc:AlternateContent xmlns:mc="http://schemas.openxmlformats.org/markup-compatibility/2006" xmlns:a14="http://schemas.microsoft.com/office/drawing/2010/main">
+        <mc:Choice Requires="a14">
           <p:sp>
             <p:nvSpPr>
               <p:cNvPr id="3" name="Content Placeholder 2">
@@ -12168,7 +12144,7 @@
             </p:txBody>
           </p:sp>
         </mc:Choice>
-        <mc:Fallback>
+        <mc:Fallback xmlns="">
           <p:sp>
             <p:nvSpPr>
               <p:cNvPr id="3" name="Content Placeholder 2">
@@ -12276,8 +12252,8 @@
           </a:p>
         </p:txBody>
       </p:sp>
-      <mc:AlternateContent xmlns:mc="http://schemas.openxmlformats.org/markup-compatibility/2006">
-        <mc:Choice xmlns:a14="http://schemas.microsoft.com/office/drawing/2010/main" Requires="a14">
+      <mc:AlternateContent xmlns:mc="http://schemas.openxmlformats.org/markup-compatibility/2006" xmlns:a14="http://schemas.microsoft.com/office/drawing/2010/main">
+        <mc:Choice Requires="a14">
           <p:sp>
             <p:nvSpPr>
               <p:cNvPr id="3" name="Content Placeholder 2">
@@ -13108,7 +13084,7 @@
             </p:txBody>
           </p:sp>
         </mc:Choice>
-        <mc:Fallback>
+        <mc:Fallback xmlns="">
           <p:sp>
             <p:nvSpPr>
               <p:cNvPr id="3" name="Content Placeholder 2">
@@ -15595,8 +15571,8 @@
           </a:p>
         </p:txBody>
       </p:sp>
-      <mc:AlternateContent xmlns:mc="http://schemas.openxmlformats.org/markup-compatibility/2006">
-        <mc:Choice xmlns:a14="http://schemas.microsoft.com/office/drawing/2010/main" Requires="a14">
+      <mc:AlternateContent xmlns:mc="http://schemas.openxmlformats.org/markup-compatibility/2006" xmlns:a14="http://schemas.microsoft.com/office/drawing/2010/main">
+        <mc:Choice Requires="a14">
           <p:sp>
             <p:nvSpPr>
               <p:cNvPr id="3" name="Content Placeholder 2">
@@ -15717,7 +15693,7 @@
             </p:txBody>
           </p:sp>
         </mc:Choice>
-        <mc:Fallback>
+        <mc:Fallback xmlns="">
           <p:sp>
             <p:nvSpPr>
               <p:cNvPr id="3" name="Content Placeholder 2">
@@ -19224,10 +19200,6 @@
                   <a:rPr lang="en-US" sz="3200" dirty="0"/>
                   <a:t>There are </a:t>
                 </a:r>
-                <a:r>
-                  <a:rPr lang="en-US" sz="3200" b="0" dirty="0"/>
-                  <a:t> </a:t>
-                </a:r>
                 <a14:m>
                   <m:oMath xmlns:m="http://schemas.openxmlformats.org/officeDocument/2006/math">
                     <m:r>
@@ -19431,8 +19403,8 @@
           </a:p>
         </p:txBody>
       </p:sp>
-      <mc:AlternateContent xmlns:mc="http://schemas.openxmlformats.org/markup-compatibility/2006">
-        <mc:Choice xmlns:a14="http://schemas.microsoft.com/office/drawing/2010/main" Requires="a14">
+      <mc:AlternateContent xmlns:mc="http://schemas.openxmlformats.org/markup-compatibility/2006" xmlns:a14="http://schemas.microsoft.com/office/drawing/2010/main">
+        <mc:Choice Requires="a14">
           <p:sp>
             <p:nvSpPr>
               <p:cNvPr id="3" name="Content Placeholder 2">
@@ -19653,7 +19625,7 @@
             </p:txBody>
           </p:sp>
         </mc:Choice>
-        <mc:Fallback>
+        <mc:Fallback xmlns="">
           <p:sp>
             <p:nvSpPr>
               <p:cNvPr id="3" name="Content Placeholder 2">
@@ -19761,8 +19733,8 @@
           </a:p>
         </p:txBody>
       </p:sp>
-      <mc:AlternateContent xmlns:mc="http://schemas.openxmlformats.org/markup-compatibility/2006">
-        <mc:Choice xmlns:a14="http://schemas.microsoft.com/office/drawing/2010/main" Requires="a14">
+      <mc:AlternateContent xmlns:mc="http://schemas.openxmlformats.org/markup-compatibility/2006" xmlns:a14="http://schemas.microsoft.com/office/drawing/2010/main">
+        <mc:Choice Requires="a14">
           <p:sp>
             <p:nvSpPr>
               <p:cNvPr id="3" name="Content Placeholder 2">
@@ -20831,7 +20803,7 @@
             </p:txBody>
           </p:sp>
         </mc:Choice>
-        <mc:Fallback>
+        <mc:Fallback xmlns="">
           <p:sp>
             <p:nvSpPr>
               <p:cNvPr id="3" name="Content Placeholder 2">
@@ -20939,8 +20911,8 @@
           </a:p>
         </p:txBody>
       </p:sp>
-      <mc:AlternateContent xmlns:mc="http://schemas.openxmlformats.org/markup-compatibility/2006">
-        <mc:Choice xmlns:a14="http://schemas.microsoft.com/office/drawing/2010/main" Requires="a14">
+      <mc:AlternateContent xmlns:mc="http://schemas.openxmlformats.org/markup-compatibility/2006" xmlns:a14="http://schemas.microsoft.com/office/drawing/2010/main">
+        <mc:Choice Requires="a14">
           <p:sp>
             <p:nvSpPr>
               <p:cNvPr id="3" name="Content Placeholder 2">
@@ -21147,7 +21119,7 @@
             </p:txBody>
           </p:sp>
         </mc:Choice>
-        <mc:Fallback>
+        <mc:Fallback xmlns="">
           <p:sp>
             <p:nvSpPr>
               <p:cNvPr id="3" name="Content Placeholder 2">
@@ -21287,8 +21259,8 @@
           </a:p>
         </p:txBody>
       </p:sp>
-      <mc:AlternateContent xmlns:mc="http://schemas.openxmlformats.org/markup-compatibility/2006">
-        <mc:Choice xmlns:a14="http://schemas.microsoft.com/office/drawing/2010/main" Requires="a14">
+      <mc:AlternateContent xmlns:mc="http://schemas.openxmlformats.org/markup-compatibility/2006" xmlns:a14="http://schemas.microsoft.com/office/drawing/2010/main">
+        <mc:Choice Requires="a14">
           <p:sp>
             <p:nvSpPr>
               <p:cNvPr id="3" name="Content Placeholder 2">
@@ -21409,7 +21381,7 @@
             </p:txBody>
           </p:sp>
         </mc:Choice>
-        <mc:Fallback>
+        <mc:Fallback xmlns="">
           <p:sp>
             <p:nvSpPr>
               <p:cNvPr id="3" name="Content Placeholder 2">
@@ -21549,8 +21521,8 @@
           </a:p>
         </p:txBody>
       </p:sp>
-      <mc:AlternateContent xmlns:mc="http://schemas.openxmlformats.org/markup-compatibility/2006">
-        <mc:Choice xmlns:a14="http://schemas.microsoft.com/office/drawing/2010/main" Requires="a14">
+      <mc:AlternateContent xmlns:mc="http://schemas.openxmlformats.org/markup-compatibility/2006" xmlns:a14="http://schemas.microsoft.com/office/drawing/2010/main">
+        <mc:Choice Requires="a14">
           <p:sp>
             <p:nvSpPr>
               <p:cNvPr id="3" name="Content Placeholder 2">
@@ -22587,7 +22559,7 @@
             </p:txBody>
           </p:sp>
         </mc:Choice>
-        <mc:Fallback>
+        <mc:Fallback xmlns="">
           <p:sp>
             <p:nvSpPr>
               <p:cNvPr id="3" name="Content Placeholder 2">
@@ -22727,8 +22699,8 @@
           </a:p>
         </p:txBody>
       </p:sp>
-      <mc:AlternateContent xmlns:mc="http://schemas.openxmlformats.org/markup-compatibility/2006">
-        <mc:Choice xmlns:a14="http://schemas.microsoft.com/office/drawing/2010/main" Requires="a14">
+      <mc:AlternateContent xmlns:mc="http://schemas.openxmlformats.org/markup-compatibility/2006" xmlns:a14="http://schemas.microsoft.com/office/drawing/2010/main">
+        <mc:Choice Requires="a14">
           <p:sp>
             <p:nvSpPr>
               <p:cNvPr id="3" name="Content Placeholder 2">
@@ -23388,7 +23360,7 @@
             </p:txBody>
           </p:sp>
         </mc:Choice>
-        <mc:Fallback>
+        <mc:Fallback xmlns="">
           <p:sp>
             <p:nvSpPr>
               <p:cNvPr id="3" name="Content Placeholder 2">
@@ -23496,8 +23468,8 @@
           </a:p>
         </p:txBody>
       </p:sp>
-      <mc:AlternateContent xmlns:mc="http://schemas.openxmlformats.org/markup-compatibility/2006">
-        <mc:Choice xmlns:a14="http://schemas.microsoft.com/office/drawing/2010/main" Requires="a14">
+      <mc:AlternateContent xmlns:mc="http://schemas.openxmlformats.org/markup-compatibility/2006" xmlns:a14="http://schemas.microsoft.com/office/drawing/2010/main">
+        <mc:Choice Requires="a14">
           <p:sp>
             <p:nvSpPr>
               <p:cNvPr id="3" name="Content Placeholder 2">
@@ -24086,7 +24058,7 @@
             </p:txBody>
           </p:sp>
         </mc:Choice>
-        <mc:Fallback>
+        <mc:Fallback xmlns="">
           <p:sp>
             <p:nvSpPr>
               <p:cNvPr id="3" name="Content Placeholder 2">
@@ -24194,8 +24166,8 @@
           </a:p>
         </p:txBody>
       </p:sp>
-      <mc:AlternateContent xmlns:mc="http://schemas.openxmlformats.org/markup-compatibility/2006">
-        <mc:Choice xmlns:a14="http://schemas.microsoft.com/office/drawing/2010/main" Requires="a14">
+      <mc:AlternateContent xmlns:mc="http://schemas.openxmlformats.org/markup-compatibility/2006" xmlns:a14="http://schemas.microsoft.com/office/drawing/2010/main">
+        <mc:Choice Requires="a14">
           <p:sp>
             <p:nvSpPr>
               <p:cNvPr id="3" name="Content Placeholder 2">
@@ -24721,7 +24693,7 @@
             </p:txBody>
           </p:sp>
         </mc:Choice>
-        <mc:Fallback>
+        <mc:Fallback xmlns="">
           <p:sp>
             <p:nvSpPr>
               <p:cNvPr id="3" name="Content Placeholder 2">
@@ -24829,8 +24801,8 @@
           </a:p>
         </p:txBody>
       </p:sp>
-      <mc:AlternateContent xmlns:mc="http://schemas.openxmlformats.org/markup-compatibility/2006">
-        <mc:Choice xmlns:a14="http://schemas.microsoft.com/office/drawing/2010/main" Requires="a14">
+      <mc:AlternateContent xmlns:mc="http://schemas.openxmlformats.org/markup-compatibility/2006" xmlns:a14="http://schemas.microsoft.com/office/drawing/2010/main">
+        <mc:Choice Requires="a14">
           <p:sp>
             <p:nvSpPr>
               <p:cNvPr id="3" name="Content Placeholder 2">
@@ -25521,7 +25493,7 @@
             </p:txBody>
           </p:sp>
         </mc:Choice>
-        <mc:Fallback>
+        <mc:Fallback xmlns="">
           <p:sp>
             <p:nvSpPr>
               <p:cNvPr id="3" name="Content Placeholder 2">
@@ -25629,8 +25601,8 @@
           </a:p>
         </p:txBody>
       </p:sp>
-      <mc:AlternateContent xmlns:mc="http://schemas.openxmlformats.org/markup-compatibility/2006">
-        <mc:Choice xmlns:a14="http://schemas.microsoft.com/office/drawing/2010/main" Requires="a14">
+      <mc:AlternateContent xmlns:mc="http://schemas.openxmlformats.org/markup-compatibility/2006" xmlns:a14="http://schemas.microsoft.com/office/drawing/2010/main">
+        <mc:Choice Requires="a14">
           <p:sp>
             <p:nvSpPr>
               <p:cNvPr id="3" name="Content Placeholder 2">
@@ -25963,7 +25935,7 @@
             </p:txBody>
           </p:sp>
         </mc:Choice>
-        <mc:Fallback>
+        <mc:Fallback xmlns="">
           <p:sp>
             <p:nvSpPr>
               <p:cNvPr id="3" name="Content Placeholder 2">
@@ -26003,8 +25975,8 @@
           </p:sp>
         </mc:Fallback>
       </mc:AlternateContent>
-      <mc:AlternateContent xmlns:mc="http://schemas.openxmlformats.org/markup-compatibility/2006">
-        <mc:Choice xmlns:a14="http://schemas.microsoft.com/office/drawing/2010/main" Requires="a14">
+      <mc:AlternateContent xmlns:mc="http://schemas.openxmlformats.org/markup-compatibility/2006" xmlns:a14="http://schemas.microsoft.com/office/drawing/2010/main">
+        <mc:Choice Requires="a14">
           <p:sp>
             <p:nvSpPr>
               <p:cNvPr id="7" name="TextBox 6">
@@ -26355,7 +26327,7 @@
             </p:txBody>
           </p:sp>
         </mc:Choice>
-        <mc:Fallback>
+        <mc:Fallback xmlns="">
           <p:sp>
             <p:nvSpPr>
               <p:cNvPr id="7" name="TextBox 6">
@@ -26400,8 +26372,8 @@
           </p:sp>
         </mc:Fallback>
       </mc:AlternateContent>
-      <mc:AlternateContent xmlns:mc="http://schemas.openxmlformats.org/markup-compatibility/2006">
-        <mc:Choice xmlns:a14="http://schemas.microsoft.com/office/drawing/2010/main" Requires="a14">
+      <mc:AlternateContent xmlns:mc="http://schemas.openxmlformats.org/markup-compatibility/2006" xmlns:a14="http://schemas.microsoft.com/office/drawing/2010/main">
+        <mc:Choice Requires="a14">
           <p:sp>
             <p:nvSpPr>
               <p:cNvPr id="8" name="TextBox 7">
@@ -26777,7 +26749,7 @@
             </p:txBody>
           </p:sp>
         </mc:Choice>
-        <mc:Fallback>
+        <mc:Fallback xmlns="">
           <p:sp>
             <p:nvSpPr>
               <p:cNvPr id="8" name="TextBox 7">
@@ -26822,8 +26794,8 @@
           </p:sp>
         </mc:Fallback>
       </mc:AlternateContent>
-      <mc:AlternateContent xmlns:mc="http://schemas.openxmlformats.org/markup-compatibility/2006">
-        <mc:Choice xmlns:a14="http://schemas.microsoft.com/office/drawing/2010/main" Requires="a14">
+      <mc:AlternateContent xmlns:mc="http://schemas.openxmlformats.org/markup-compatibility/2006" xmlns:a14="http://schemas.microsoft.com/office/drawing/2010/main">
+        <mc:Choice Requires="a14">
           <p:sp>
             <p:nvSpPr>
               <p:cNvPr id="9" name="TextBox 8">
@@ -27145,7 +27117,7 @@
             </p:txBody>
           </p:sp>
         </mc:Choice>
-        <mc:Fallback>
+        <mc:Fallback xmlns="">
           <p:sp>
             <p:nvSpPr>
               <p:cNvPr id="9" name="TextBox 8">
@@ -29856,8 +29828,8 @@
           </a:p>
         </p:txBody>
       </p:sp>
-      <mc:AlternateContent xmlns:mc="http://schemas.openxmlformats.org/markup-compatibility/2006">
-        <mc:Choice xmlns:a14="http://schemas.microsoft.com/office/drawing/2010/main" Requires="a14">
+      <mc:AlternateContent xmlns:mc="http://schemas.openxmlformats.org/markup-compatibility/2006" xmlns:a14="http://schemas.microsoft.com/office/drawing/2010/main">
+        <mc:Choice Requires="a14">
           <p:sp>
             <p:nvSpPr>
               <p:cNvPr id="3" name="Content Placeholder 2">
@@ -30167,7 +30139,7 @@
             </p:txBody>
           </p:sp>
         </mc:Choice>
-        <mc:Fallback>
+        <mc:Fallback xmlns="">
           <p:sp>
             <p:nvSpPr>
               <p:cNvPr id="3" name="Content Placeholder 2">
@@ -30207,8 +30179,8 @@
           </p:sp>
         </mc:Fallback>
       </mc:AlternateContent>
-      <mc:AlternateContent xmlns:mc="http://schemas.openxmlformats.org/markup-compatibility/2006">
-        <mc:Choice xmlns:a14="http://schemas.microsoft.com/office/drawing/2010/main" Requires="a14">
+      <mc:AlternateContent xmlns:mc="http://schemas.openxmlformats.org/markup-compatibility/2006" xmlns:a14="http://schemas.microsoft.com/office/drawing/2010/main">
+        <mc:Choice Requires="a14">
           <p:sp>
             <p:nvSpPr>
               <p:cNvPr id="8" name="TextBox 7">
@@ -30576,7 +30548,7 @@
             </p:txBody>
           </p:sp>
         </mc:Choice>
-        <mc:Fallback>
+        <mc:Fallback xmlns="">
           <p:sp>
             <p:nvSpPr>
               <p:cNvPr id="8" name="TextBox 7">
@@ -30621,8 +30593,8 @@
           </p:sp>
         </mc:Fallback>
       </mc:AlternateContent>
-      <mc:AlternateContent xmlns:mc="http://schemas.openxmlformats.org/markup-compatibility/2006">
-        <mc:Choice xmlns:a14="http://schemas.microsoft.com/office/drawing/2010/main" Requires="a14">
+      <mc:AlternateContent xmlns:mc="http://schemas.openxmlformats.org/markup-compatibility/2006" xmlns:a14="http://schemas.microsoft.com/office/drawing/2010/main">
+        <mc:Choice Requires="a14">
           <p:sp>
             <p:nvSpPr>
               <p:cNvPr id="4" name="TextBox 3">
@@ -30963,7 +30935,7 @@
             </p:txBody>
           </p:sp>
         </mc:Choice>
-        <mc:Fallback>
+        <mc:Fallback xmlns="">
           <p:sp>
             <p:nvSpPr>
               <p:cNvPr id="4" name="TextBox 3">
@@ -31008,8 +30980,8 @@
           </p:sp>
         </mc:Fallback>
       </mc:AlternateContent>
-      <mc:AlternateContent xmlns:mc="http://schemas.openxmlformats.org/markup-compatibility/2006">
-        <mc:Choice xmlns:a14="http://schemas.microsoft.com/office/drawing/2010/main" Requires="a14">
+      <mc:AlternateContent xmlns:mc="http://schemas.openxmlformats.org/markup-compatibility/2006" xmlns:a14="http://schemas.microsoft.com/office/drawing/2010/main">
+        <mc:Choice Requires="a14">
           <p:sp>
             <p:nvSpPr>
               <p:cNvPr id="5" name="TextBox 4">
@@ -31267,7 +31239,7 @@
             </p:txBody>
           </p:sp>
         </mc:Choice>
-        <mc:Fallback>
+        <mc:Fallback xmlns="">
           <p:sp>
             <p:nvSpPr>
               <p:cNvPr id="5" name="TextBox 4">
@@ -31312,8 +31284,8 @@
           </p:sp>
         </mc:Fallback>
       </mc:AlternateContent>
-      <mc:AlternateContent xmlns:mc="http://schemas.openxmlformats.org/markup-compatibility/2006">
-        <mc:Choice xmlns:a14="http://schemas.microsoft.com/office/drawing/2010/main" Requires="a14">
+      <mc:AlternateContent xmlns:mc="http://schemas.openxmlformats.org/markup-compatibility/2006" xmlns:a14="http://schemas.microsoft.com/office/drawing/2010/main">
+        <mc:Choice Requires="a14">
           <p:sp>
             <p:nvSpPr>
               <p:cNvPr id="6" name="TextBox 5">
@@ -31590,7 +31562,7 @@
             </p:txBody>
           </p:sp>
         </mc:Choice>
-        <mc:Fallback>
+        <mc:Fallback xmlns="">
           <p:sp>
             <p:nvSpPr>
               <p:cNvPr id="6" name="TextBox 5">
@@ -31703,8 +31675,8 @@
           </a:p>
         </p:txBody>
       </p:sp>
-      <mc:AlternateContent xmlns:mc="http://schemas.openxmlformats.org/markup-compatibility/2006">
-        <mc:Choice xmlns:a14="http://schemas.microsoft.com/office/drawing/2010/main" Requires="a14">
+      <mc:AlternateContent xmlns:mc="http://schemas.openxmlformats.org/markup-compatibility/2006" xmlns:a14="http://schemas.microsoft.com/office/drawing/2010/main">
+        <mc:Choice Requires="a14">
           <p:sp>
             <p:nvSpPr>
               <p:cNvPr id="3" name="Content Placeholder 2">
@@ -32899,7 +32871,7 @@
             </p:txBody>
           </p:sp>
         </mc:Choice>
-        <mc:Fallback>
+        <mc:Fallback xmlns="">
           <p:sp>
             <p:nvSpPr>
               <p:cNvPr id="3" name="Content Placeholder 2">
@@ -33007,8 +32979,8 @@
           </a:p>
         </p:txBody>
       </p:sp>
-      <mc:AlternateContent xmlns:mc="http://schemas.openxmlformats.org/markup-compatibility/2006">
-        <mc:Choice xmlns:a14="http://schemas.microsoft.com/office/drawing/2010/main" Requires="a14">
+      <mc:AlternateContent xmlns:mc="http://schemas.openxmlformats.org/markup-compatibility/2006" xmlns:a14="http://schemas.microsoft.com/office/drawing/2010/main">
+        <mc:Choice Requires="a14">
           <p:sp>
             <p:nvSpPr>
               <p:cNvPr id="3" name="Content Placeholder 2">
@@ -33276,7 +33248,7 @@
             </p:txBody>
           </p:sp>
         </mc:Choice>
-        <mc:Fallback>
+        <mc:Fallback xmlns="">
           <p:sp>
             <p:nvSpPr>
               <p:cNvPr id="3" name="Content Placeholder 2">
@@ -37332,8 +37304,8 @@
           </a:p>
         </p:txBody>
       </p:sp>
-      <mc:AlternateContent xmlns:mc="http://schemas.openxmlformats.org/markup-compatibility/2006">
-        <mc:Choice xmlns:a14="http://schemas.microsoft.com/office/drawing/2010/main" Requires="a14">
+      <mc:AlternateContent xmlns:mc="http://schemas.openxmlformats.org/markup-compatibility/2006" xmlns:a14="http://schemas.microsoft.com/office/drawing/2010/main">
+        <mc:Choice Requires="a14">
           <p:sp>
             <p:nvSpPr>
               <p:cNvPr id="3" name="Content Placeholder 2">
@@ -38219,7 +38191,7 @@
             </p:txBody>
           </p:sp>
         </mc:Choice>
-        <mc:Fallback>
+        <mc:Fallback xmlns="">
           <p:sp>
             <p:nvSpPr>
               <p:cNvPr id="3" name="Content Placeholder 2">
@@ -38327,8 +38299,8 @@
           </a:p>
         </p:txBody>
       </p:sp>
-      <mc:AlternateContent xmlns:mc="http://schemas.openxmlformats.org/markup-compatibility/2006">
-        <mc:Choice xmlns:a14="http://schemas.microsoft.com/office/drawing/2010/main" Requires="a14">
+      <mc:AlternateContent xmlns:mc="http://schemas.openxmlformats.org/markup-compatibility/2006" xmlns:a14="http://schemas.microsoft.com/office/drawing/2010/main">
+        <mc:Choice Requires="a14">
           <p:sp>
             <p:nvSpPr>
               <p:cNvPr id="3" name="Content Placeholder 2">
@@ -38535,7 +38507,7 @@
             </p:txBody>
           </p:sp>
         </mc:Choice>
-        <mc:Fallback>
+        <mc:Fallback xmlns="">
           <p:sp>
             <p:nvSpPr>
               <p:cNvPr id="3" name="Content Placeholder 2">
@@ -41184,8 +41156,8 @@
           </a:p>
         </p:txBody>
       </p:sp>
-      <mc:AlternateContent xmlns:mc="http://schemas.openxmlformats.org/markup-compatibility/2006">
-        <mc:Choice xmlns:a14="http://schemas.microsoft.com/office/drawing/2010/main" Requires="a14">
+      <mc:AlternateContent xmlns:mc="http://schemas.openxmlformats.org/markup-compatibility/2006" xmlns:a14="http://schemas.microsoft.com/office/drawing/2010/main">
+        <mc:Choice Requires="a14">
           <p:sp>
             <p:nvSpPr>
               <p:cNvPr id="3" name="Content Placeholder 2">
@@ -41245,7 +41217,7 @@
                         <m:sSub>
                           <m:sSubPr>
                             <m:ctrlPr>
-                              <a:rPr lang="en-US" sz="3200" b="0" i="0" smtClean="0">
+                              <a:rPr lang="en-US" sz="3200" b="0" i="1" smtClean="0">
                                 <a:solidFill>
                                   <a:srgbClr val="C00000"/>
                                 </a:solidFill>
@@ -41364,7 +41336,7 @@
             </p:txBody>
           </p:sp>
         </mc:Choice>
-        <mc:Fallback>
+        <mc:Fallback xmlns="">
           <p:sp>
             <p:nvSpPr>
               <p:cNvPr id="3" name="Content Placeholder 2">
@@ -41472,8 +41444,8 @@
           </a:p>
         </p:txBody>
       </p:sp>
-      <mc:AlternateContent xmlns:mc="http://schemas.openxmlformats.org/markup-compatibility/2006">
-        <mc:Choice xmlns:a14="http://schemas.microsoft.com/office/drawing/2010/main" Requires="a14">
+      <mc:AlternateContent xmlns:mc="http://schemas.openxmlformats.org/markup-compatibility/2006" xmlns:a14="http://schemas.microsoft.com/office/drawing/2010/main">
+        <mc:Choice Requires="a14">
           <p:sp>
             <p:nvSpPr>
               <p:cNvPr id="3" name="Content Placeholder 2">
@@ -41533,7 +41505,7 @@
                         <m:sSub>
                           <m:sSubPr>
                             <m:ctrlPr>
-                              <a:rPr lang="en-US" sz="3200" b="0" i="0" smtClean="0">
+                              <a:rPr lang="en-US" sz="3200" b="0" i="1" smtClean="0">
                                 <a:solidFill>
                                   <a:srgbClr val="C00000"/>
                                 </a:solidFill>
@@ -41779,7 +41751,7 @@
             </p:txBody>
           </p:sp>
         </mc:Choice>
-        <mc:Fallback>
+        <mc:Fallback xmlns="">
           <p:sp>
             <p:nvSpPr>
               <p:cNvPr id="3" name="Content Placeholder 2">
@@ -41887,8 +41859,8 @@
           </a:p>
         </p:txBody>
       </p:sp>
-      <mc:AlternateContent xmlns:mc="http://schemas.openxmlformats.org/markup-compatibility/2006">
-        <mc:Choice xmlns:a14="http://schemas.microsoft.com/office/drawing/2010/main" Requires="a14">
+      <mc:AlternateContent xmlns:mc="http://schemas.openxmlformats.org/markup-compatibility/2006" xmlns:a14="http://schemas.microsoft.com/office/drawing/2010/main">
+        <mc:Choice Requires="a14">
           <p:sp>
             <p:nvSpPr>
               <p:cNvPr id="3" name="Content Placeholder 2">
@@ -42031,19 +42003,7 @@
                                     </a:solidFill>
                                     <a:latin typeface="Cambria Math" panose="02040503050406030204" pitchFamily="18" charset="0"/>
                                   </a:rPr>
-                                  <m:t>l</m:t>
-                                </m:r>
-                                <m:r>
-                                  <m:rPr>
-                                    <m:sty m:val="p"/>
-                                  </m:rPr>
-                                  <a:rPr lang="en-US" sz="3200">
-                                    <a:solidFill>
-                                      <a:srgbClr val="C00000"/>
-                                    </a:solidFill>
-                                    <a:latin typeface="Cambria Math" panose="02040503050406030204" pitchFamily="18" charset="0"/>
-                                  </a:rPr>
-                                  <m:t>og</m:t>
+                                  <m:t>log</m:t>
                                 </m:r>
                               </m:e>
                               <m:sub>
@@ -42125,19 +42085,7 @@
                                 </a:solidFill>
                                 <a:latin typeface="Cambria Math" panose="02040503050406030204" pitchFamily="18" charset="0"/>
                               </a:rPr>
-                              <m:t>l</m:t>
-                            </m:r>
-                            <m:r>
-                              <m:rPr>
-                                <m:sty m:val="p"/>
-                              </m:rPr>
-                              <a:rPr lang="en-US" sz="3200">
-                                <a:solidFill>
-                                  <a:srgbClr val="C00000"/>
-                                </a:solidFill>
-                                <a:latin typeface="Cambria Math" panose="02040503050406030204" pitchFamily="18" charset="0"/>
-                              </a:rPr>
-                              <m:t>og</m:t>
+                              <m:t>log</m:t>
                             </m:r>
                           </m:e>
                           <m:sub>
@@ -42224,7 +42172,7 @@
             </p:txBody>
           </p:sp>
         </mc:Choice>
-        <mc:Fallback>
+        <mc:Fallback xmlns="">
           <p:sp>
             <p:nvSpPr>
               <p:cNvPr id="3" name="Content Placeholder 2">
